--- a/Fourth Year/SEM VII/Mobile Computing - Prof. Preeti Godabole/MC-PPT/Module 2-Locmg-GSM.pptx
+++ b/Fourth Year/SEM VII/Mobile Computing - Prof. Preeti Godabole/MC-PPT/Module 2-Locmg-GSM.pptx
@@ -225,7 +225,7 @@
           <a:p>
             <a:fld id="{C218F504-AA23-44D2-8665-7F0F7C547916}" type="datetimeFigureOut">
               <a:rPr lang="en-IN" smtClean="0"/>
-              <a:t>04-08-2022</a:t>
+              <a:t>15-08-2022</a:t>
             </a:fld>
             <a:endParaRPr lang="en-IN"/>
           </a:p>
@@ -289,35 +289,35 @@
           <a:p>
             <a:pPr lvl="0"/>
             <a:r>
-              <a:rPr lang="en-US" smtClean="0"/>
+              <a:rPr lang="en-US"/>
               <a:t>Click to edit Master text styles</a:t>
             </a:r>
           </a:p>
           <a:p>
             <a:pPr lvl="1"/>
             <a:r>
-              <a:rPr lang="en-US" smtClean="0"/>
+              <a:rPr lang="en-US"/>
               <a:t>Second level</a:t>
             </a:r>
           </a:p>
           <a:p>
             <a:pPr lvl="2"/>
             <a:r>
-              <a:rPr lang="en-US" smtClean="0"/>
+              <a:rPr lang="en-US"/>
               <a:t>Third level</a:t>
             </a:r>
           </a:p>
           <a:p>
             <a:pPr lvl="3"/>
             <a:r>
-              <a:rPr lang="en-US" smtClean="0"/>
+              <a:rPr lang="en-US"/>
               <a:t>Fourth level</a:t>
             </a:r>
           </a:p>
           <a:p>
             <a:pPr lvl="4"/>
             <a:r>
-              <a:rPr lang="en-US" smtClean="0"/>
+              <a:rPr lang="en-US"/>
               <a:t>Fifth level</a:t>
             </a:r>
             <a:endParaRPr lang="en-IN"/>
@@ -1818,7 +1818,7 @@
           </a:lstStyle>
           <a:p>
             <a:r>
-              <a:rPr lang="en-US" smtClean="0"/>
+              <a:rPr lang="en-US"/>
               <a:t>Click to edit Master title style</a:t>
             </a:r>
             <a:endParaRPr lang="en-IN"/>
@@ -1883,7 +1883,7 @@
           </a:lstStyle>
           <a:p>
             <a:r>
-              <a:rPr lang="en-US" smtClean="0"/>
+              <a:rPr lang="en-US"/>
               <a:t>Click to edit Master subtitle style</a:t>
             </a:r>
             <a:endParaRPr lang="en-IN"/>
@@ -1907,7 +1907,7 @@
           <a:p>
             <a:fld id="{98F7C58E-1898-4C67-945E-1B70E0F509CA}" type="datetimeFigureOut">
               <a:rPr lang="en-IN" smtClean="0"/>
-              <a:t>04-08-2022</a:t>
+              <a:t>15-08-2022</a:t>
             </a:fld>
             <a:endParaRPr lang="en-IN"/>
           </a:p>
@@ -2001,7 +2001,7 @@
           <a:lstStyle/>
           <a:p>
             <a:r>
-              <a:rPr lang="en-US" smtClean="0"/>
+              <a:rPr lang="en-US"/>
               <a:t>Click to edit Master title style</a:t>
             </a:r>
             <a:endParaRPr lang="en-IN"/>
@@ -2025,35 +2025,35 @@
           <a:p>
             <a:pPr lvl="0"/>
             <a:r>
-              <a:rPr lang="en-US" smtClean="0"/>
+              <a:rPr lang="en-US"/>
               <a:t>Click to edit Master text styles</a:t>
             </a:r>
           </a:p>
           <a:p>
             <a:pPr lvl="1"/>
             <a:r>
-              <a:rPr lang="en-US" smtClean="0"/>
+              <a:rPr lang="en-US"/>
               <a:t>Second level</a:t>
             </a:r>
           </a:p>
           <a:p>
             <a:pPr lvl="2"/>
             <a:r>
-              <a:rPr lang="en-US" smtClean="0"/>
+              <a:rPr lang="en-US"/>
               <a:t>Third level</a:t>
             </a:r>
           </a:p>
           <a:p>
             <a:pPr lvl="3"/>
             <a:r>
-              <a:rPr lang="en-US" smtClean="0"/>
+              <a:rPr lang="en-US"/>
               <a:t>Fourth level</a:t>
             </a:r>
           </a:p>
           <a:p>
             <a:pPr lvl="4"/>
             <a:r>
-              <a:rPr lang="en-US" smtClean="0"/>
+              <a:rPr lang="en-US"/>
               <a:t>Fifth level</a:t>
             </a:r>
             <a:endParaRPr lang="en-IN"/>
@@ -2077,7 +2077,7 @@
           <a:p>
             <a:fld id="{98F7C58E-1898-4C67-945E-1B70E0F509CA}" type="datetimeFigureOut">
               <a:rPr lang="en-IN" smtClean="0"/>
-              <a:t>04-08-2022</a:t>
+              <a:t>15-08-2022</a:t>
             </a:fld>
             <a:endParaRPr lang="en-IN"/>
           </a:p>
@@ -2176,7 +2176,7 @@
           <a:lstStyle/>
           <a:p>
             <a:r>
-              <a:rPr lang="en-US" smtClean="0"/>
+              <a:rPr lang="en-US"/>
               <a:t>Click to edit Master title style</a:t>
             </a:r>
             <a:endParaRPr lang="en-IN"/>
@@ -2205,35 +2205,35 @@
           <a:p>
             <a:pPr lvl="0"/>
             <a:r>
-              <a:rPr lang="en-US" smtClean="0"/>
+              <a:rPr lang="en-US"/>
               <a:t>Click to edit Master text styles</a:t>
             </a:r>
           </a:p>
           <a:p>
             <a:pPr lvl="1"/>
             <a:r>
-              <a:rPr lang="en-US" smtClean="0"/>
+              <a:rPr lang="en-US"/>
               <a:t>Second level</a:t>
             </a:r>
           </a:p>
           <a:p>
             <a:pPr lvl="2"/>
             <a:r>
-              <a:rPr lang="en-US" smtClean="0"/>
+              <a:rPr lang="en-US"/>
               <a:t>Third level</a:t>
             </a:r>
           </a:p>
           <a:p>
             <a:pPr lvl="3"/>
             <a:r>
-              <a:rPr lang="en-US" smtClean="0"/>
+              <a:rPr lang="en-US"/>
               <a:t>Fourth level</a:t>
             </a:r>
           </a:p>
           <a:p>
             <a:pPr lvl="4"/>
             <a:r>
-              <a:rPr lang="en-US" smtClean="0"/>
+              <a:rPr lang="en-US"/>
               <a:t>Fifth level</a:t>
             </a:r>
             <a:endParaRPr lang="en-IN"/>
@@ -2257,7 +2257,7 @@
           <a:p>
             <a:fld id="{98F7C58E-1898-4C67-945E-1B70E0F509CA}" type="datetimeFigureOut">
               <a:rPr lang="en-IN" smtClean="0"/>
-              <a:t>04-08-2022</a:t>
+              <a:t>15-08-2022</a:t>
             </a:fld>
             <a:endParaRPr lang="en-IN"/>
           </a:p>
@@ -2580,7 +2580,7 @@
           <a:lstStyle/>
           <a:p>
             <a:r>
-              <a:rPr lang="en-US" smtClean="0"/>
+              <a:rPr lang="en-US"/>
               <a:t>Click to edit Master title style</a:t>
             </a:r>
             <a:endParaRPr lang="en-IN"/>
@@ -2604,35 +2604,35 @@
           <a:p>
             <a:pPr lvl="0"/>
             <a:r>
-              <a:rPr lang="en-US" smtClean="0"/>
+              <a:rPr lang="en-US"/>
               <a:t>Click to edit Master text styles</a:t>
             </a:r>
           </a:p>
           <a:p>
             <a:pPr lvl="1"/>
             <a:r>
-              <a:rPr lang="en-US" smtClean="0"/>
+              <a:rPr lang="en-US"/>
               <a:t>Second level</a:t>
             </a:r>
           </a:p>
           <a:p>
             <a:pPr lvl="2"/>
             <a:r>
-              <a:rPr lang="en-US" smtClean="0"/>
+              <a:rPr lang="en-US"/>
               <a:t>Third level</a:t>
             </a:r>
           </a:p>
           <a:p>
             <a:pPr lvl="3"/>
             <a:r>
-              <a:rPr lang="en-US" smtClean="0"/>
+              <a:rPr lang="en-US"/>
               <a:t>Fourth level</a:t>
             </a:r>
           </a:p>
           <a:p>
             <a:pPr lvl="4"/>
             <a:r>
-              <a:rPr lang="en-US" smtClean="0"/>
+              <a:rPr lang="en-US"/>
               <a:t>Fifth level</a:t>
             </a:r>
             <a:endParaRPr lang="en-IN"/>
@@ -2656,7 +2656,7 @@
           <a:p>
             <a:fld id="{98F7C58E-1898-4C67-945E-1B70E0F509CA}" type="datetimeFigureOut">
               <a:rPr lang="en-IN" smtClean="0"/>
-              <a:t>04-08-2022</a:t>
+              <a:t>15-08-2022</a:t>
             </a:fld>
             <a:endParaRPr lang="en-IN"/>
           </a:p>
@@ -2759,7 +2759,7 @@
           </a:lstStyle>
           <a:p>
             <a:r>
-              <a:rPr lang="en-US" smtClean="0"/>
+              <a:rPr lang="en-US"/>
               <a:t>Click to edit Master title style</a:t>
             </a:r>
             <a:endParaRPr lang="en-IN"/>
@@ -2879,7 +2879,7 @@
           <a:p>
             <a:pPr lvl="0"/>
             <a:r>
-              <a:rPr lang="en-US" smtClean="0"/>
+              <a:rPr lang="en-US"/>
               <a:t>Click to edit Master text styles</a:t>
             </a:r>
           </a:p>
@@ -2902,7 +2902,7 @@
           <a:p>
             <a:fld id="{98F7C58E-1898-4C67-945E-1B70E0F509CA}" type="datetimeFigureOut">
               <a:rPr lang="en-IN" smtClean="0"/>
-              <a:t>04-08-2022</a:t>
+              <a:t>15-08-2022</a:t>
             </a:fld>
             <a:endParaRPr lang="en-IN"/>
           </a:p>
@@ -2996,7 +2996,7 @@
           <a:lstStyle/>
           <a:p>
             <a:r>
-              <a:rPr lang="en-US" smtClean="0"/>
+              <a:rPr lang="en-US"/>
               <a:t>Click to edit Master title style</a:t>
             </a:r>
             <a:endParaRPr lang="en-IN"/>
@@ -3025,35 +3025,35 @@
           <a:p>
             <a:pPr lvl="0"/>
             <a:r>
-              <a:rPr lang="en-US" smtClean="0"/>
+              <a:rPr lang="en-US"/>
               <a:t>Click to edit Master text styles</a:t>
             </a:r>
           </a:p>
           <a:p>
             <a:pPr lvl="1"/>
             <a:r>
-              <a:rPr lang="en-US" smtClean="0"/>
+              <a:rPr lang="en-US"/>
               <a:t>Second level</a:t>
             </a:r>
           </a:p>
           <a:p>
             <a:pPr lvl="2"/>
             <a:r>
-              <a:rPr lang="en-US" smtClean="0"/>
+              <a:rPr lang="en-US"/>
               <a:t>Third level</a:t>
             </a:r>
           </a:p>
           <a:p>
             <a:pPr lvl="3"/>
             <a:r>
-              <a:rPr lang="en-US" smtClean="0"/>
+              <a:rPr lang="en-US"/>
               <a:t>Fourth level</a:t>
             </a:r>
           </a:p>
           <a:p>
             <a:pPr lvl="4"/>
             <a:r>
-              <a:rPr lang="en-US" smtClean="0"/>
+              <a:rPr lang="en-US"/>
               <a:t>Fifth level</a:t>
             </a:r>
             <a:endParaRPr lang="en-IN"/>
@@ -3082,35 +3082,35 @@
           <a:p>
             <a:pPr lvl="0"/>
             <a:r>
-              <a:rPr lang="en-US" smtClean="0"/>
+              <a:rPr lang="en-US"/>
               <a:t>Click to edit Master text styles</a:t>
             </a:r>
           </a:p>
           <a:p>
             <a:pPr lvl="1"/>
             <a:r>
-              <a:rPr lang="en-US" smtClean="0"/>
+              <a:rPr lang="en-US"/>
               <a:t>Second level</a:t>
             </a:r>
           </a:p>
           <a:p>
             <a:pPr lvl="2"/>
             <a:r>
-              <a:rPr lang="en-US" smtClean="0"/>
+              <a:rPr lang="en-US"/>
               <a:t>Third level</a:t>
             </a:r>
           </a:p>
           <a:p>
             <a:pPr lvl="3"/>
             <a:r>
-              <a:rPr lang="en-US" smtClean="0"/>
+              <a:rPr lang="en-US"/>
               <a:t>Fourth level</a:t>
             </a:r>
           </a:p>
           <a:p>
             <a:pPr lvl="4"/>
             <a:r>
-              <a:rPr lang="en-US" smtClean="0"/>
+              <a:rPr lang="en-US"/>
               <a:t>Fifth level</a:t>
             </a:r>
             <a:endParaRPr lang="en-IN"/>
@@ -3134,7 +3134,7 @@
           <a:p>
             <a:fld id="{98F7C58E-1898-4C67-945E-1B70E0F509CA}" type="datetimeFigureOut">
               <a:rPr lang="en-IN" smtClean="0"/>
-              <a:t>04-08-2022</a:t>
+              <a:t>15-08-2022</a:t>
             </a:fld>
             <a:endParaRPr lang="en-IN"/>
           </a:p>
@@ -3233,7 +3233,7 @@
           <a:lstStyle/>
           <a:p>
             <a:r>
-              <a:rPr lang="en-US" smtClean="0"/>
+              <a:rPr lang="en-US"/>
               <a:t>Click to edit Master title style</a:t>
             </a:r>
             <a:endParaRPr lang="en-IN"/>
@@ -3299,7 +3299,7 @@
           <a:p>
             <a:pPr lvl="0"/>
             <a:r>
-              <a:rPr lang="en-US" smtClean="0"/>
+              <a:rPr lang="en-US"/>
               <a:t>Click to edit Master text styles</a:t>
             </a:r>
           </a:p>
@@ -3327,35 +3327,35 @@
           <a:p>
             <a:pPr lvl="0"/>
             <a:r>
-              <a:rPr lang="en-US" smtClean="0"/>
+              <a:rPr lang="en-US"/>
               <a:t>Click to edit Master text styles</a:t>
             </a:r>
           </a:p>
           <a:p>
             <a:pPr lvl="1"/>
             <a:r>
-              <a:rPr lang="en-US" smtClean="0"/>
+              <a:rPr lang="en-US"/>
               <a:t>Second level</a:t>
             </a:r>
           </a:p>
           <a:p>
             <a:pPr lvl="2"/>
             <a:r>
-              <a:rPr lang="en-US" smtClean="0"/>
+              <a:rPr lang="en-US"/>
               <a:t>Third level</a:t>
             </a:r>
           </a:p>
           <a:p>
             <a:pPr lvl="3"/>
             <a:r>
-              <a:rPr lang="en-US" smtClean="0"/>
+              <a:rPr lang="en-US"/>
               <a:t>Fourth level</a:t>
             </a:r>
           </a:p>
           <a:p>
             <a:pPr lvl="4"/>
             <a:r>
-              <a:rPr lang="en-US" smtClean="0"/>
+              <a:rPr lang="en-US"/>
               <a:t>Fifth level</a:t>
             </a:r>
             <a:endParaRPr lang="en-IN"/>
@@ -3421,7 +3421,7 @@
           <a:p>
             <a:pPr lvl="0"/>
             <a:r>
-              <a:rPr lang="en-US" smtClean="0"/>
+              <a:rPr lang="en-US"/>
               <a:t>Click to edit Master text styles</a:t>
             </a:r>
           </a:p>
@@ -3449,35 +3449,35 @@
           <a:p>
             <a:pPr lvl="0"/>
             <a:r>
-              <a:rPr lang="en-US" smtClean="0"/>
+              <a:rPr lang="en-US"/>
               <a:t>Click to edit Master text styles</a:t>
             </a:r>
           </a:p>
           <a:p>
             <a:pPr lvl="1"/>
             <a:r>
-              <a:rPr lang="en-US" smtClean="0"/>
+              <a:rPr lang="en-US"/>
               <a:t>Second level</a:t>
             </a:r>
           </a:p>
           <a:p>
             <a:pPr lvl="2"/>
             <a:r>
-              <a:rPr lang="en-US" smtClean="0"/>
+              <a:rPr lang="en-US"/>
               <a:t>Third level</a:t>
             </a:r>
           </a:p>
           <a:p>
             <a:pPr lvl="3"/>
             <a:r>
-              <a:rPr lang="en-US" smtClean="0"/>
+              <a:rPr lang="en-US"/>
               <a:t>Fourth level</a:t>
             </a:r>
           </a:p>
           <a:p>
             <a:pPr lvl="4"/>
             <a:r>
-              <a:rPr lang="en-US" smtClean="0"/>
+              <a:rPr lang="en-US"/>
               <a:t>Fifth level</a:t>
             </a:r>
             <a:endParaRPr lang="en-IN"/>
@@ -3501,7 +3501,7 @@
           <a:p>
             <a:fld id="{98F7C58E-1898-4C67-945E-1B70E0F509CA}" type="datetimeFigureOut">
               <a:rPr lang="en-IN" smtClean="0"/>
-              <a:t>04-08-2022</a:t>
+              <a:t>15-08-2022</a:t>
             </a:fld>
             <a:endParaRPr lang="en-IN"/>
           </a:p>
@@ -3595,7 +3595,7 @@
           <a:lstStyle/>
           <a:p>
             <a:r>
-              <a:rPr lang="en-US" smtClean="0"/>
+              <a:rPr lang="en-US"/>
               <a:t>Click to edit Master title style</a:t>
             </a:r>
             <a:endParaRPr lang="en-IN"/>
@@ -3619,7 +3619,7 @@
           <a:p>
             <a:fld id="{98F7C58E-1898-4C67-945E-1B70E0F509CA}" type="datetimeFigureOut">
               <a:rPr lang="en-IN" smtClean="0"/>
-              <a:t>04-08-2022</a:t>
+              <a:t>15-08-2022</a:t>
             </a:fld>
             <a:endParaRPr lang="en-IN"/>
           </a:p>
@@ -3714,7 +3714,7 @@
           <a:p>
             <a:fld id="{98F7C58E-1898-4C67-945E-1B70E0F509CA}" type="datetimeFigureOut">
               <a:rPr lang="en-IN" smtClean="0"/>
-              <a:t>04-08-2022</a:t>
+              <a:t>15-08-2022</a:t>
             </a:fld>
             <a:endParaRPr lang="en-IN"/>
           </a:p>
@@ -3817,7 +3817,7 @@
           </a:lstStyle>
           <a:p>
             <a:r>
-              <a:rPr lang="en-US" smtClean="0"/>
+              <a:rPr lang="en-US"/>
               <a:t>Click to edit Master title style</a:t>
             </a:r>
             <a:endParaRPr lang="en-IN"/>
@@ -3874,35 +3874,35 @@
           <a:p>
             <a:pPr lvl="0"/>
             <a:r>
-              <a:rPr lang="en-US" smtClean="0"/>
+              <a:rPr lang="en-US"/>
               <a:t>Click to edit Master text styles</a:t>
             </a:r>
           </a:p>
           <a:p>
             <a:pPr lvl="1"/>
             <a:r>
-              <a:rPr lang="en-US" smtClean="0"/>
+              <a:rPr lang="en-US"/>
               <a:t>Second level</a:t>
             </a:r>
           </a:p>
           <a:p>
             <a:pPr lvl="2"/>
             <a:r>
-              <a:rPr lang="en-US" smtClean="0"/>
+              <a:rPr lang="en-US"/>
               <a:t>Third level</a:t>
             </a:r>
           </a:p>
           <a:p>
             <a:pPr lvl="3"/>
             <a:r>
-              <a:rPr lang="en-US" smtClean="0"/>
+              <a:rPr lang="en-US"/>
               <a:t>Fourth level</a:t>
             </a:r>
           </a:p>
           <a:p>
             <a:pPr lvl="4"/>
             <a:r>
-              <a:rPr lang="en-US" smtClean="0"/>
+              <a:rPr lang="en-US"/>
               <a:t>Fifth level</a:t>
             </a:r>
             <a:endParaRPr lang="en-IN"/>
@@ -3968,7 +3968,7 @@
           <a:p>
             <a:pPr lvl="0"/>
             <a:r>
-              <a:rPr lang="en-US" smtClean="0"/>
+              <a:rPr lang="en-US"/>
               <a:t>Click to edit Master text styles</a:t>
             </a:r>
           </a:p>
@@ -3991,7 +3991,7 @@
           <a:p>
             <a:fld id="{98F7C58E-1898-4C67-945E-1B70E0F509CA}" type="datetimeFigureOut">
               <a:rPr lang="en-IN" smtClean="0"/>
-              <a:t>04-08-2022</a:t>
+              <a:t>15-08-2022</a:t>
             </a:fld>
             <a:endParaRPr lang="en-IN"/>
           </a:p>
@@ -4094,7 +4094,7 @@
           </a:lstStyle>
           <a:p>
             <a:r>
-              <a:rPr lang="en-US" smtClean="0"/>
+              <a:rPr lang="en-US"/>
               <a:t>Click to edit Master title style</a:t>
             </a:r>
             <a:endParaRPr lang="en-IN"/>
@@ -4221,7 +4221,7 @@
           <a:p>
             <a:pPr lvl="0"/>
             <a:r>
-              <a:rPr lang="en-US" smtClean="0"/>
+              <a:rPr lang="en-US"/>
               <a:t>Click to edit Master text styles</a:t>
             </a:r>
           </a:p>
@@ -4244,7 +4244,7 @@
           <a:p>
             <a:fld id="{98F7C58E-1898-4C67-945E-1B70E0F509CA}" type="datetimeFigureOut">
               <a:rPr lang="en-IN" smtClean="0"/>
-              <a:t>04-08-2022</a:t>
+              <a:t>15-08-2022</a:t>
             </a:fld>
             <a:endParaRPr lang="en-IN"/>
           </a:p>
@@ -4353,7 +4353,7 @@
           <a:lstStyle/>
           <a:p>
             <a:r>
-              <a:rPr lang="en-US" smtClean="0"/>
+              <a:rPr lang="en-US"/>
               <a:t>Click to edit Master title style</a:t>
             </a:r>
             <a:endParaRPr lang="en-IN"/>
@@ -4387,35 +4387,35 @@
           <a:p>
             <a:pPr lvl="0"/>
             <a:r>
-              <a:rPr lang="en-US" smtClean="0"/>
+              <a:rPr lang="en-US"/>
               <a:t>Click to edit Master text styles</a:t>
             </a:r>
           </a:p>
           <a:p>
             <a:pPr lvl="1"/>
             <a:r>
-              <a:rPr lang="en-US" smtClean="0"/>
+              <a:rPr lang="en-US"/>
               <a:t>Second level</a:t>
             </a:r>
           </a:p>
           <a:p>
             <a:pPr lvl="2"/>
             <a:r>
-              <a:rPr lang="en-US" smtClean="0"/>
+              <a:rPr lang="en-US"/>
               <a:t>Third level</a:t>
             </a:r>
           </a:p>
           <a:p>
             <a:pPr lvl="3"/>
             <a:r>
-              <a:rPr lang="en-US" smtClean="0"/>
+              <a:rPr lang="en-US"/>
               <a:t>Fourth level</a:t>
             </a:r>
           </a:p>
           <a:p>
             <a:pPr lvl="4"/>
             <a:r>
-              <a:rPr lang="en-US" smtClean="0"/>
+              <a:rPr lang="en-US"/>
               <a:t>Fifth level</a:t>
             </a:r>
             <a:endParaRPr lang="en-IN"/>
@@ -4457,7 +4457,7 @@
           <a:p>
             <a:fld id="{98F7C58E-1898-4C67-945E-1B70E0F509CA}" type="datetimeFigureOut">
               <a:rPr lang="en-IN" smtClean="0"/>
-              <a:t>04-08-2022</a:t>
+              <a:t>15-08-2022</a:t>
             </a:fld>
             <a:endParaRPr lang="en-IN"/>
           </a:p>
@@ -4879,7 +4879,7 @@
           <a:lstStyle/>
           <a:p>
             <a:r>
-              <a:rPr lang="en-US" dirty="0" smtClean="0"/>
+              <a:rPr lang="en-US" dirty="0"/>
               <a:t>Module 2</a:t>
             </a:r>
             <a:endParaRPr lang="en-IN" dirty="0"/>
@@ -4902,7 +4902,7 @@
           <a:lstStyle/>
           <a:p>
             <a:r>
-              <a:rPr lang="en-US" dirty="0" smtClean="0"/>
+              <a:rPr lang="en-US" dirty="0"/>
               <a:t>Location and Handoff Management</a:t>
             </a:r>
             <a:endParaRPr lang="en-IN" dirty="0"/>
@@ -14277,7 +14277,7 @@
               <a:buNone/>
             </a:pPr>
             <a:r>
-              <a:rPr lang="en-US" altLang="x-none" sz="1800"/>
+              <a:rPr lang="en-US" altLang="x-none" sz="1800" dirty="0"/>
               <a:t>Terminal for the use of GSM services</a:t>
             </a:r>
           </a:p>
@@ -14287,7 +14287,7 @@
               <a:buNone/>
             </a:pPr>
             <a:r>
-              <a:rPr lang="en-US" altLang="x-none" sz="1800"/>
+              <a:rPr lang="en-US" altLang="x-none" sz="1800" dirty="0"/>
               <a:t>A mobile station (MS) comprises several functional groups</a:t>
             </a:r>
           </a:p>
@@ -14297,7 +14297,7 @@
               <a:buChar char="•"/>
             </a:pPr>
             <a:r>
-              <a:rPr lang="en-US" altLang="x-none" sz="1800"/>
+              <a:rPr lang="en-US" altLang="x-none" sz="1800" dirty="0"/>
               <a:t>MT (Mobile Terminal):</a:t>
             </a:r>
           </a:p>
@@ -14307,7 +14307,7 @@
               <a:buChar char="•"/>
             </a:pPr>
             <a:r>
-              <a:rPr lang="en-US" altLang="x-none" sz="1800"/>
+              <a:rPr lang="en-US" altLang="x-none" sz="1800" dirty="0"/>
               <a:t>offers common functions used by all services the MS offers</a:t>
             </a:r>
           </a:p>
@@ -14317,7 +14317,7 @@
               <a:buChar char="•"/>
             </a:pPr>
             <a:r>
-              <a:rPr lang="en-US" altLang="x-none" sz="1800"/>
+              <a:rPr lang="en-US" altLang="x-none" sz="1800" dirty="0"/>
               <a:t>corresponds to the network termination (NT) of an ISDN access</a:t>
             </a:r>
           </a:p>
@@ -14327,15 +14327,15 @@
               <a:buChar char="•"/>
             </a:pPr>
             <a:r>
-              <a:rPr lang="en-US" altLang="x-none" sz="1800"/>
+              <a:rPr lang="en-US" altLang="x-none" sz="1800" dirty="0"/>
               <a:t>end-point of the radio interface (U</a:t>
             </a:r>
             <a:r>
-              <a:rPr lang="en-US" altLang="x-none" sz="1800" baseline="-25000"/>
+              <a:rPr lang="en-US" altLang="x-none" sz="1800" baseline="-25000" dirty="0"/>
               <a:t>m</a:t>
             </a:r>
             <a:r>
-              <a:rPr lang="en-US" altLang="x-none" sz="1800"/>
+              <a:rPr lang="en-US" altLang="x-none" sz="1800" dirty="0"/>
               <a:t>)</a:t>
             </a:r>
           </a:p>
@@ -14345,7 +14345,7 @@
               <a:buChar char="•"/>
             </a:pPr>
             <a:r>
-              <a:rPr lang="en-US" altLang="x-none" sz="1800"/>
+              <a:rPr lang="en-US" altLang="x-none" sz="1800" dirty="0"/>
               <a:t>TA (Terminal Adapter):</a:t>
             </a:r>
           </a:p>
@@ -14355,24 +14355,8 @@
               <a:buChar char="•"/>
             </a:pPr>
             <a:r>
-              <a:rPr lang="en-US" altLang="x-none" sz="1800"/>
-              <a:t>terminal adaptation, hides radio specific characteristics (TE connects via modem, </a:t>
-            </a:r>
-            <a:r>
-              <a:rPr lang="en-US" altLang="x-none" sz="1800" err="1"/>
-              <a:t>Bluetooth</a:t>
-            </a:r>
-            <a:r>
-              <a:rPr lang="en-US" altLang="x-none" sz="1800"/>
-              <a:t>, </a:t>
-            </a:r>
-            <a:r>
-              <a:rPr lang="en-US" altLang="x-none" sz="1800" err="1"/>
-              <a:t>IrDA </a:t>
-            </a:r>
-            <a:r>
-              <a:rPr lang="en-US" altLang="x-none" sz="1800"/>
-              <a:t>etc. to MT)</a:t>
+              <a:rPr lang="en-US" altLang="x-none" sz="1800" dirty="0"/>
+              <a:t>terminal adaptation, hides radio specific characteristics (TE connects via modem, Bluetooth, IrDA etc. to MT)</a:t>
             </a:r>
           </a:p>
           <a:p>
@@ -14381,7 +14365,7 @@
               <a:buChar char="•"/>
             </a:pPr>
             <a:r>
-              <a:rPr lang="en-US" altLang="x-none" sz="1800"/>
+              <a:rPr lang="en-US" altLang="x-none" sz="1800" dirty="0"/>
               <a:t>TE (Terminal Equipment):</a:t>
             </a:r>
           </a:p>
@@ -14391,7 +14375,7 @@
               <a:buChar char="•"/>
             </a:pPr>
             <a:r>
-              <a:rPr lang="en-US" altLang="x-none" sz="1800"/>
+              <a:rPr lang="en-US" altLang="x-none" sz="1800" dirty="0"/>
               <a:t>peripheral device of the MS, offers services to a user</a:t>
             </a:r>
           </a:p>
@@ -14401,7 +14385,7 @@
               <a:buChar char="•"/>
             </a:pPr>
             <a:r>
-              <a:rPr lang="en-US" altLang="x-none" sz="1800"/>
+              <a:rPr lang="en-US" altLang="x-none" sz="1800" dirty="0"/>
               <a:t>Can be a headset, microphone, etc.</a:t>
             </a:r>
           </a:p>
@@ -14411,7 +14395,7 @@
               <a:buChar char="•"/>
             </a:pPr>
             <a:r>
-              <a:rPr lang="en-US" altLang="x-none" sz="1800"/>
+              <a:rPr lang="en-US" altLang="x-none" sz="1800" dirty="0"/>
               <a:t>does not contain GSM specific functions</a:t>
             </a:r>
           </a:p>
@@ -14421,7 +14405,7 @@
               <a:buChar char="•"/>
             </a:pPr>
             <a:r>
-              <a:rPr lang="en-US" altLang="x-none" sz="1800"/>
+              <a:rPr lang="en-US" altLang="x-none" sz="1800" dirty="0"/>
               <a:t>SIM (Subscriber Identity Module):</a:t>
             </a:r>
           </a:p>
@@ -14431,7 +14415,7 @@
               <a:buChar char="•"/>
             </a:pPr>
             <a:r>
-              <a:rPr lang="en-US" altLang="x-none" sz="1800"/>
+              <a:rPr lang="en-US" altLang="x-none" sz="1800" dirty="0"/>
               <a:t>personalization of the mobile terminal, stores user parameters </a:t>
             </a:r>
           </a:p>
@@ -14445,7 +14429,7 @@
         </p:nvGrpSpPr>
         <p:grpSpPr>
           <a:xfrm>
-            <a:off x="3429000" y="5410200"/>
+            <a:off x="3453606" y="5768181"/>
             <a:ext cx="5284788" cy="655638"/>
             <a:chOff x="816" y="3216"/>
             <a:chExt cx="3329" cy="413"/>
@@ -14598,7 +14582,7 @@
             <a:lstStyle/>
             <a:p>
               <a:r>
-                <a:rPr>
+                <a:rPr dirty="0">
                   <a:latin typeface="Arial" panose="020B0604020202020204" pitchFamily="34" charset="0"/>
                 </a:rPr>
                 <a:t>S</a:t>
@@ -14716,7 +14700,7 @@
             <a:p>
               <a:pPr algn="ctr"/>
               <a:r>
-                <a:rPr>
+                <a:rPr dirty="0">
                   <a:latin typeface="Arial" panose="020B0604020202020204" pitchFamily="34" charset="0"/>
                 </a:rPr>
                 <a:t>TE</a:t>
@@ -18826,7 +18810,7 @@
           <a:lstStyle/>
           <a:p>
             <a:r>
-              <a:rPr lang="en-US" dirty="0" smtClean="0"/>
+              <a:rPr lang="en-US" dirty="0"/>
               <a:t>Mobile Network Architecture</a:t>
             </a:r>
             <a:endParaRPr lang="en-IN" dirty="0"/>
@@ -21793,7 +21777,7 @@
           <a:lstStyle/>
           <a:p>
             <a:r>
-              <a:rPr lang="en-US" dirty="0" smtClean="0"/>
+              <a:rPr lang="en-US" dirty="0"/>
               <a:t>Mobility Models</a:t>
             </a:r>
             <a:endParaRPr lang="en-IN" dirty="0"/>
@@ -21821,22 +21805,17 @@
             </a:r>
             <a:r>
               <a:rPr lang="en-US" b="1" dirty="0"/>
-              <a:t>characterize the movements of mobile users with respect to their location, velocity and direction over a period of time</a:t>
+              <a:t>characterize the movements of mobile users with respect to their location, velocity and direction over a period</a:t>
             </a:r>
             <a:r>
               <a:rPr lang="en-US" dirty="0"/>
               <a:t>. </a:t>
             </a:r>
-            <a:endParaRPr lang="en-US" dirty="0" smtClean="0"/>
-          </a:p>
-          <a:p>
-            <a:r>
-              <a:rPr lang="en-US" dirty="0" smtClean="0"/>
-              <a:t>These </a:t>
-            </a:r>
+          </a:p>
+          <a:p>
             <a:r>
               <a:rPr lang="en-US" dirty="0"/>
-              <a:t>models play an vital role in the design of Mobile Ad Hoc Networks(MANET)</a:t>
+              <a:t>These models play an vital role in the design of Mobile Ad Hoc Networks(MANET)</a:t>
             </a:r>
             <a:endParaRPr lang="en-IN" dirty="0"/>
           </a:p>
@@ -22251,20 +22230,12 @@
               <a:buChar char="q"/>
             </a:pPr>
             <a:r>
-              <a:rPr lang="en-US" altLang="x-none" sz="2800" b="0" dirty="0" smtClean="0">
-                <a:solidFill>
-                  <a:schemeClr val="tx1"/>
-                </a:solidFill>
-              </a:rPr>
-              <a:t>many </a:t>
-            </a:r>
-            <a:r>
               <a:rPr lang="en-US" altLang="x-none" sz="2800" b="0" dirty="0">
                 <a:solidFill>
                   <a:schemeClr val="tx1"/>
                 </a:solidFill>
               </a:rPr>
-              <a:t>providers all over the world use GSM (more than 130 countries in Asia, Africa, Europe, Australia, America)</a:t>
+              <a:t>many providers all over the world use GSM (more than 130 countries in Asia, Africa, Europe, Australia, America)</a:t>
             </a:r>
           </a:p>
           <a:p>
@@ -22931,18 +22902,11 @@
               <a:buChar char="Ø"/>
             </a:pPr>
             <a:r>
-              <a:rPr lang="en-US" altLang="x-none" sz="2400" dirty="0" smtClean="0">
-                <a:latin typeface="Times New Roman" panose="02020603050405020304" pitchFamily="18" charset="0"/>
-                <a:cs typeface="Times New Roman" panose="02020603050405020304" pitchFamily="18" charset="0"/>
-              </a:rPr>
-              <a:t>Three </a:t>
-            </a:r>
-            <a:r>
               <a:rPr lang="en-US" altLang="x-none" sz="2400" dirty="0">
                 <a:latin typeface="Times New Roman" panose="02020603050405020304" pitchFamily="18" charset="0"/>
                 <a:cs typeface="Times New Roman" panose="02020603050405020304" pitchFamily="18" charset="0"/>
               </a:rPr>
-              <a:t>service domains</a:t>
+              <a:t>Three service domains</a:t>
             </a:r>
           </a:p>
           <a:p>
@@ -22965,7 +22929,7 @@
                 <a:latin typeface="Times New Roman" panose="02020603050405020304" pitchFamily="18" charset="0"/>
                 <a:cs typeface="Times New Roman" panose="02020603050405020304" pitchFamily="18" charset="0"/>
               </a:rPr>
-              <a:t>– interface to the physical medium (transparent for example in the case of voice or non transparent for data services)</a:t>
+              <a:t>– interface to the physical medium (transparent for example in the case of voice or nontransparent for data services)</a:t>
             </a:r>
           </a:p>
           <a:p>
@@ -22977,18 +22941,11 @@
               <a:buChar char="•"/>
             </a:pPr>
             <a:r>
-              <a:rPr lang="en-US" altLang="x-none" sz="2400" b="1" dirty="0" err="1">
-                <a:latin typeface="Times New Roman" panose="02020603050405020304" pitchFamily="18" charset="0"/>
-                <a:cs typeface="Times New Roman" panose="02020603050405020304" pitchFamily="18" charset="0"/>
-              </a:rPr>
-              <a:t>Telematic</a:t>
-            </a:r>
-            <a:r>
               <a:rPr lang="en-US" altLang="x-none" sz="2400" b="1" dirty="0">
                 <a:latin typeface="Times New Roman" panose="02020603050405020304" pitchFamily="18" charset="0"/>
                 <a:cs typeface="Times New Roman" panose="02020603050405020304" pitchFamily="18" charset="0"/>
               </a:rPr>
-              <a:t> Services </a:t>
+              <a:t>Telematic Services </a:t>
             </a:r>
             <a:r>
               <a:rPr lang="en-US" altLang="x-none" sz="2400" dirty="0">
@@ -24389,11 +24346,41 @@
                 <a:tableStyleId>{5C22544A-7EE6-4342-B048-85BDC9FD1C3A}</a:tableStyleId>
               </a:tblPr>
               <a:tblGrid>
-                <a:gridCol w="898525"/>
-                <a:gridCol w="704215"/>
-                <a:gridCol w="946785"/>
-                <a:gridCol w="4733925"/>
-                <a:gridCol w="3079750"/>
+                <a:gridCol w="898525">
+                  <a:extLst>
+                    <a:ext uri="{9D8B030D-6E8A-4147-A177-3AD203B41FA5}">
+                      <a16:colId xmlns:a16="http://schemas.microsoft.com/office/drawing/2014/main" val="20000"/>
+                    </a:ext>
+                  </a:extLst>
+                </a:gridCol>
+                <a:gridCol w="704215">
+                  <a:extLst>
+                    <a:ext uri="{9D8B030D-6E8A-4147-A177-3AD203B41FA5}">
+                      <a16:colId xmlns:a16="http://schemas.microsoft.com/office/drawing/2014/main" val="20001"/>
+                    </a:ext>
+                  </a:extLst>
+                </a:gridCol>
+                <a:gridCol w="946785">
+                  <a:extLst>
+                    <a:ext uri="{9D8B030D-6E8A-4147-A177-3AD203B41FA5}">
+                      <a16:colId xmlns:a16="http://schemas.microsoft.com/office/drawing/2014/main" val="20002"/>
+                    </a:ext>
+                  </a:extLst>
+                </a:gridCol>
+                <a:gridCol w="4733925">
+                  <a:extLst>
+                    <a:ext uri="{9D8B030D-6E8A-4147-A177-3AD203B41FA5}">
+                      <a16:colId xmlns:a16="http://schemas.microsoft.com/office/drawing/2014/main" val="20003"/>
+                    </a:ext>
+                  </a:extLst>
+                </a:gridCol>
+                <a:gridCol w="3079750">
+                  <a:extLst>
+                    <a:ext uri="{9D8B030D-6E8A-4147-A177-3AD203B41FA5}">
+                      <a16:colId xmlns:a16="http://schemas.microsoft.com/office/drawing/2014/main" val="20004"/>
+                    </a:ext>
+                  </a:extLst>
+                </a:gridCol>
               </a:tblGrid>
               <a:tr h="381000">
                 <a:tc>
@@ -24480,6 +24467,11 @@
                   </a:txBody>
                   <a:tcPr/>
                 </a:tc>
+                <a:extLst>
+                  <a:ext uri="{0D108BD9-81ED-4DB2-BD59-A6C34878D82A}">
+                    <a16:rowId xmlns:a16="http://schemas.microsoft.com/office/drawing/2014/main" val="10000"/>
+                  </a:ext>
+                </a:extLst>
               </a:tr>
             </a:tbl>
           </a:graphicData>
